--- a/docs/2023_01_02_RFC5_CSKeFu_Persona/RFC5_CSKeFu_Persona.pptx
+++ b/docs/2023_01_02_RFC5_CSKeFu_Persona/RFC5_CSKeFu_Persona.pptx
@@ -104,6 +104,11 @@
       </a:defRPr>
     </a:lvl9pPr>
   </p:defaultTextStyle>
+  <p:extLst>
+    <p:ext uri="{EFAFB233-063F-42B5-8137-9DF3F51BA10A}">
+      <p15:sldGuideLst xmlns:p15="http://schemas.microsoft.com/office/powerpoint/2012/main"/>
+    </p:ext>
+  </p:extLst>
 </p:presentation>
 </file>
 
@@ -254,7 +259,7 @@
           <a:p>
             <a:fld id="{A3154338-70F7-44B8-9DFC-34170956A9AF}" type="datetimeFigureOut">
               <a:rPr lang="en-US" smtClean="0"/>
-              <a:t>7/8/2022</a:t>
+              <a:t>1/2/2023</a:t>
             </a:fld>
             <a:endParaRPr lang="en-US"/>
           </a:p>
@@ -452,7 +457,7 @@
           <a:p>
             <a:fld id="{A3154338-70F7-44B8-9DFC-34170956A9AF}" type="datetimeFigureOut">
               <a:rPr lang="en-US" smtClean="0"/>
-              <a:t>7/8/2022</a:t>
+              <a:t>1/2/2023</a:t>
             </a:fld>
             <a:endParaRPr lang="en-US"/>
           </a:p>
@@ -660,7 +665,7 @@
           <a:p>
             <a:fld id="{A3154338-70F7-44B8-9DFC-34170956A9AF}" type="datetimeFigureOut">
               <a:rPr lang="en-US" smtClean="0"/>
-              <a:t>7/8/2022</a:t>
+              <a:t>1/2/2023</a:t>
             </a:fld>
             <a:endParaRPr lang="en-US"/>
           </a:p>
@@ -858,7 +863,7 @@
           <a:p>
             <a:fld id="{A3154338-70F7-44B8-9DFC-34170956A9AF}" type="datetimeFigureOut">
               <a:rPr lang="en-US" smtClean="0"/>
-              <a:t>7/8/2022</a:t>
+              <a:t>1/2/2023</a:t>
             </a:fld>
             <a:endParaRPr lang="en-US"/>
           </a:p>
@@ -1133,7 +1138,7 @@
           <a:p>
             <a:fld id="{A3154338-70F7-44B8-9DFC-34170956A9AF}" type="datetimeFigureOut">
               <a:rPr lang="en-US" smtClean="0"/>
-              <a:t>7/8/2022</a:t>
+              <a:t>1/2/2023</a:t>
             </a:fld>
             <a:endParaRPr lang="en-US"/>
           </a:p>
@@ -1398,7 +1403,7 @@
           <a:p>
             <a:fld id="{A3154338-70F7-44B8-9DFC-34170956A9AF}" type="datetimeFigureOut">
               <a:rPr lang="en-US" smtClean="0"/>
-              <a:t>7/8/2022</a:t>
+              <a:t>1/2/2023</a:t>
             </a:fld>
             <a:endParaRPr lang="en-US"/>
           </a:p>
@@ -1810,7 +1815,7 @@
           <a:p>
             <a:fld id="{A3154338-70F7-44B8-9DFC-34170956A9AF}" type="datetimeFigureOut">
               <a:rPr lang="en-US" smtClean="0"/>
-              <a:t>7/8/2022</a:t>
+              <a:t>1/2/2023</a:t>
             </a:fld>
             <a:endParaRPr lang="en-US"/>
           </a:p>
@@ -1951,7 +1956,7 @@
           <a:p>
             <a:fld id="{A3154338-70F7-44B8-9DFC-34170956A9AF}" type="datetimeFigureOut">
               <a:rPr lang="en-US" smtClean="0"/>
-              <a:t>7/8/2022</a:t>
+              <a:t>1/2/2023</a:t>
             </a:fld>
             <a:endParaRPr lang="en-US"/>
           </a:p>
@@ -2064,7 +2069,7 @@
           <a:p>
             <a:fld id="{A3154338-70F7-44B8-9DFC-34170956A9AF}" type="datetimeFigureOut">
               <a:rPr lang="en-US" smtClean="0"/>
-              <a:t>7/8/2022</a:t>
+              <a:t>1/2/2023</a:t>
             </a:fld>
             <a:endParaRPr lang="en-US"/>
           </a:p>
@@ -2375,7 +2380,7 @@
           <a:p>
             <a:fld id="{A3154338-70F7-44B8-9DFC-34170956A9AF}" type="datetimeFigureOut">
               <a:rPr lang="en-US" smtClean="0"/>
-              <a:t>7/8/2022</a:t>
+              <a:t>1/2/2023</a:t>
             </a:fld>
             <a:endParaRPr lang="en-US"/>
           </a:p>
@@ -2663,7 +2668,7 @@
           <a:p>
             <a:fld id="{A3154338-70F7-44B8-9DFC-34170956A9AF}" type="datetimeFigureOut">
               <a:rPr lang="en-US" smtClean="0"/>
-              <a:t>7/8/2022</a:t>
+              <a:t>1/2/2023</a:t>
             </a:fld>
             <a:endParaRPr lang="en-US"/>
           </a:p>
@@ -2904,7 +2909,7 @@
           <a:p>
             <a:fld id="{A3154338-70F7-44B8-9DFC-34170956A9AF}" type="datetimeFigureOut">
               <a:rPr lang="en-US" smtClean="0"/>
-              <a:t>7/8/2022</a:t>
+              <a:t>1/2/2023</a:t>
             </a:fld>
             <a:endParaRPr lang="en-US"/>
           </a:p>
@@ -3321,53 +3326,292 @@
           <a:chExt cx="0" cy="0"/>
         </a:xfrm>
       </p:grpSpPr>
-      <p:sp>
-        <p:nvSpPr>
-          <p:cNvPr id="2" name="Title 1">
-            <a:extLst>
-              <a:ext uri="{FF2B5EF4-FFF2-40B4-BE49-F238E27FC236}">
-                <a16:creationId xmlns:a16="http://schemas.microsoft.com/office/drawing/2014/main" id="{599DC5B6-57F4-F6A3-E7AD-19E13D6F2752}"/>
-              </a:ext>
-            </a:extLst>
-          </p:cNvPr>
-          <p:cNvSpPr>
-            <a:spLocks noGrp="1"/>
-          </p:cNvSpPr>
-          <p:nvPr>
-            <p:ph type="ctrTitle"/>
-          </p:nvPr>
-        </p:nvSpPr>
-        <p:spPr/>
-        <p:txBody>
-          <a:bodyPr/>
-          <a:lstStyle/>
-          <a:p>
-            <a:endParaRPr lang="en-US"/>
-          </a:p>
-        </p:txBody>
-      </p:sp>
-      <p:sp>
-        <p:nvSpPr>
-          <p:cNvPr id="3" name="Subtitle 2">
-            <a:extLst>
-              <a:ext uri="{FF2B5EF4-FFF2-40B4-BE49-F238E27FC236}">
-                <a16:creationId xmlns:a16="http://schemas.microsoft.com/office/drawing/2014/main" id="{518B11DF-CEA7-8C49-BE09-246C09F2173E}"/>
-              </a:ext>
-            </a:extLst>
-          </p:cNvPr>
-          <p:cNvSpPr>
-            <a:spLocks noGrp="1"/>
-          </p:cNvSpPr>
-          <p:nvPr>
-            <p:ph type="subTitle" idx="1"/>
-          </p:nvPr>
-        </p:nvSpPr>
-        <p:spPr/>
-        <p:txBody>
-          <a:bodyPr/>
-          <a:lstStyle/>
-          <a:p>
-            <a:endParaRPr lang="en-US"/>
+      <p:grpSp>
+        <p:nvGrpSpPr>
+          <p:cNvPr id="15" name="组合 14">
+            <a:extLst>
+              <a:ext uri="{FF2B5EF4-FFF2-40B4-BE49-F238E27FC236}">
+                <a16:creationId xmlns:a16="http://schemas.microsoft.com/office/drawing/2014/main" id="{8A836537-FDDB-2A4B-0974-DB509E29F670}"/>
+              </a:ext>
+            </a:extLst>
+          </p:cNvPr>
+          <p:cNvGrpSpPr/>
+          <p:nvPr/>
+        </p:nvGrpSpPr>
+        <p:grpSpPr>
+          <a:xfrm>
+            <a:off x="-1546235" y="711719"/>
+            <a:ext cx="9938526" cy="5408378"/>
+            <a:chOff x="-1546235" y="711719"/>
+            <a:chExt cx="9938526" cy="5408378"/>
+          </a:xfrm>
+        </p:grpSpPr>
+        <p:grpSp>
+          <p:nvGrpSpPr>
+            <p:cNvPr id="8" name="组合 7">
+              <a:extLst>
+                <a:ext uri="{FF2B5EF4-FFF2-40B4-BE49-F238E27FC236}">
+                  <a16:creationId xmlns:a16="http://schemas.microsoft.com/office/drawing/2014/main" id="{9BF3E871-C368-59CF-8E6C-CCD912E8000D}"/>
+                </a:ext>
+              </a:extLst>
+            </p:cNvPr>
+            <p:cNvGrpSpPr/>
+            <p:nvPr/>
+          </p:nvGrpSpPr>
+          <p:grpSpPr>
+            <a:xfrm>
+              <a:off x="-1546235" y="737902"/>
+              <a:ext cx="7362879" cy="5382195"/>
+              <a:chOff x="2414560" y="641046"/>
+              <a:chExt cx="7362879" cy="5382195"/>
+            </a:xfrm>
+          </p:grpSpPr>
+          <p:pic>
+            <p:nvPicPr>
+              <p:cNvPr id="5" name="图片 4" descr="图形用户界面, 应用程序, Word&#10;&#10;描述已自动生成">
+                <a:extLst>
+                  <a:ext uri="{FF2B5EF4-FFF2-40B4-BE49-F238E27FC236}">
+                    <a16:creationId xmlns:a16="http://schemas.microsoft.com/office/drawing/2014/main" id="{FEDE90F9-8222-A828-CB4C-8002BBABBFD8}"/>
+                  </a:ext>
+                </a:extLst>
+              </p:cNvPr>
+              <p:cNvPicPr>
+                <a:picLocks noChangeAspect="1"/>
+              </p:cNvPicPr>
+              <p:nvPr/>
+            </p:nvPicPr>
+            <p:blipFill>
+              <a:blip r:embed="rId2">
+                <a:extLst>
+                  <a:ext uri="{28A0092B-C50C-407E-A947-70E740481C1C}">
+                    <a14:useLocalDpi xmlns:a14="http://schemas.microsoft.com/office/drawing/2010/main" val="0"/>
+                  </a:ext>
+                </a:extLst>
+              </a:blip>
+              <a:stretch>
+                <a:fillRect/>
+              </a:stretch>
+            </p:blipFill>
+            <p:spPr>
+              <a:xfrm>
+                <a:off x="2414560" y="878662"/>
+                <a:ext cx="7362879" cy="5100675"/>
+              </a:xfrm>
+              <a:prstGeom prst="rect">
+                <a:avLst/>
+              </a:prstGeom>
+            </p:spPr>
+          </p:pic>
+          <p:pic>
+            <p:nvPicPr>
+              <p:cNvPr id="7" name="图片 6" descr="背景图案&#10;&#10;中度可信度描述已自动生成">
+                <a:extLst>
+                  <a:ext uri="{FF2B5EF4-FFF2-40B4-BE49-F238E27FC236}">
+                    <a16:creationId xmlns:a16="http://schemas.microsoft.com/office/drawing/2014/main" id="{EFAC89F1-0F4A-7F05-02BF-2462BC54EC5F}"/>
+                  </a:ext>
+                </a:extLst>
+              </p:cNvPr>
+              <p:cNvPicPr>
+                <a:picLocks noChangeAspect="1"/>
+              </p:cNvPicPr>
+              <p:nvPr/>
+            </p:nvPicPr>
+            <p:blipFill>
+              <a:blip r:embed="rId3">
+                <a:extLst>
+                  <a:ext uri="{28A0092B-C50C-407E-A947-70E740481C1C}">
+                    <a14:useLocalDpi xmlns:a14="http://schemas.microsoft.com/office/drawing/2010/main" val="0"/>
+                  </a:ext>
+                </a:extLst>
+              </a:blip>
+              <a:stretch>
+                <a:fillRect/>
+              </a:stretch>
+            </p:blipFill>
+            <p:spPr>
+              <a:xfrm>
+                <a:off x="3763222" y="641046"/>
+                <a:ext cx="1466861" cy="5382195"/>
+              </a:xfrm>
+              <a:prstGeom prst="rect">
+                <a:avLst/>
+              </a:prstGeom>
+            </p:spPr>
+          </p:pic>
+        </p:grpSp>
+        <p:pic>
+          <p:nvPicPr>
+            <p:cNvPr id="10" name="图片 9" descr="图形用户界面, 应用程序, Word&#10;&#10;描述已自动生成">
+              <a:extLst>
+                <a:ext uri="{FF2B5EF4-FFF2-40B4-BE49-F238E27FC236}">
+                  <a16:creationId xmlns:a16="http://schemas.microsoft.com/office/drawing/2014/main" id="{0594A28C-E058-2A9A-A87F-157F7E482203}"/>
+                </a:ext>
+              </a:extLst>
+            </p:cNvPr>
+            <p:cNvPicPr>
+              <a:picLocks noChangeAspect="1"/>
+            </p:cNvPicPr>
+            <p:nvPr/>
+          </p:nvPicPr>
+          <p:blipFill>
+            <a:blip r:embed="rId4">
+              <a:extLst>
+                <a:ext uri="{28A0092B-C50C-407E-A947-70E740481C1C}">
+                  <a14:useLocalDpi xmlns:a14="http://schemas.microsoft.com/office/drawing/2010/main" val="0"/>
+                </a:ext>
+              </a:extLst>
+            </a:blip>
+            <a:stretch>
+              <a:fillRect/>
+            </a:stretch>
+          </p:blipFill>
+          <p:spPr>
+            <a:xfrm>
+              <a:off x="1609312" y="1668988"/>
+              <a:ext cx="2495568" cy="4429157"/>
+            </a:xfrm>
+            <a:prstGeom prst="rect">
+              <a:avLst/>
+            </a:prstGeom>
+          </p:spPr>
+        </p:pic>
+        <p:pic>
+          <p:nvPicPr>
+            <p:cNvPr id="12" name="图片 11" descr="图形用户界面, 应用程序, Word&#10;&#10;描述已自动生成">
+              <a:extLst>
+                <a:ext uri="{FF2B5EF4-FFF2-40B4-BE49-F238E27FC236}">
+                  <a16:creationId xmlns:a16="http://schemas.microsoft.com/office/drawing/2014/main" id="{682A9A46-C5DE-53BF-9AD4-2CF5EAEB7148}"/>
+                </a:ext>
+              </a:extLst>
+            </p:cNvPr>
+            <p:cNvPicPr>
+              <a:picLocks noChangeAspect="1"/>
+            </p:cNvPicPr>
+            <p:nvPr/>
+          </p:nvPicPr>
+          <p:blipFill>
+            <a:blip r:embed="rId5">
+              <a:extLst>
+                <a:ext uri="{28A0092B-C50C-407E-A947-70E740481C1C}">
+                  <a14:useLocalDpi xmlns:a14="http://schemas.microsoft.com/office/drawing/2010/main" val="0"/>
+                </a:ext>
+              </a:extLst>
+            </a:blip>
+            <a:stretch>
+              <a:fillRect/>
+            </a:stretch>
+          </p:blipFill>
+          <p:spPr>
+            <a:xfrm>
+              <a:off x="4358424" y="1098293"/>
+              <a:ext cx="4033867" cy="3852891"/>
+            </a:xfrm>
+            <a:prstGeom prst="rect">
+              <a:avLst/>
+            </a:prstGeom>
+          </p:spPr>
+        </p:pic>
+        <p:pic>
+          <p:nvPicPr>
+            <p:cNvPr id="14" name="图片 13" descr="形状&#10;&#10;低可信度描述已自动生成">
+              <a:extLst>
+                <a:ext uri="{FF2B5EF4-FFF2-40B4-BE49-F238E27FC236}">
+                  <a16:creationId xmlns:a16="http://schemas.microsoft.com/office/drawing/2014/main" id="{3D0F2DB5-74B0-6047-1F1D-AEE464D57003}"/>
+                </a:ext>
+              </a:extLst>
+            </p:cNvPr>
+            <p:cNvPicPr>
+              <a:picLocks noChangeAspect="1"/>
+            </p:cNvPicPr>
+            <p:nvPr/>
+          </p:nvPicPr>
+          <p:blipFill>
+            <a:blip r:embed="rId6">
+              <a:extLst>
+                <a:ext uri="{28A0092B-C50C-407E-A947-70E740481C1C}">
+                  <a14:useLocalDpi xmlns:a14="http://schemas.microsoft.com/office/drawing/2010/main" val="0"/>
+                </a:ext>
+              </a:extLst>
+            </a:blip>
+            <a:stretch>
+              <a:fillRect/>
+            </a:stretch>
+          </p:blipFill>
+          <p:spPr>
+            <a:xfrm>
+              <a:off x="4339138" y="711719"/>
+              <a:ext cx="866781" cy="957269"/>
+            </a:xfrm>
+            <a:prstGeom prst="rect">
+              <a:avLst/>
+            </a:prstGeom>
+          </p:spPr>
+        </p:pic>
+      </p:grpSp>
+      <p:sp>
+        <p:nvSpPr>
+          <p:cNvPr id="16" name="文本框 15">
+            <a:extLst>
+              <a:ext uri="{FF2B5EF4-FFF2-40B4-BE49-F238E27FC236}">
+                <a16:creationId xmlns:a16="http://schemas.microsoft.com/office/drawing/2014/main" id="{A11460B3-5954-E591-E24D-96084A3B8B54}"/>
+              </a:ext>
+            </a:extLst>
+          </p:cNvPr>
+          <p:cNvSpPr txBox="1"/>
+          <p:nvPr/>
+        </p:nvSpPr>
+        <p:spPr>
+          <a:xfrm>
+            <a:off x="5580474" y="4973356"/>
+            <a:ext cx="1031051" cy="430887"/>
+          </a:xfrm>
+          <a:prstGeom prst="rect">
+            <a:avLst/>
+          </a:prstGeom>
+          <a:noFill/>
+        </p:spPr>
+        <p:txBody>
+          <a:bodyPr wrap="none" rtlCol="0">
+            <a:spAutoFit/>
+          </a:bodyPr>
+          <a:lstStyle/>
+          <a:p>
+            <a:r>
+              <a:rPr lang="zh-CN" altLang="en-US" sz="1100" dirty="0">
+                <a:solidFill>
+                  <a:schemeClr val="bg1">
+                    <a:lumMod val="50000"/>
+                  </a:schemeClr>
+                </a:solidFill>
+              </a:rPr>
+              <a:t>蓝色头像：男</a:t>
+            </a:r>
+            <a:endParaRPr lang="en-US" altLang="zh-CN" sz="1100" dirty="0">
+              <a:solidFill>
+                <a:schemeClr val="bg1">
+                  <a:lumMod val="50000"/>
+                </a:schemeClr>
+              </a:solidFill>
+            </a:endParaRPr>
+          </a:p>
+          <a:p>
+            <a:r>
+              <a:rPr lang="zh-CN" altLang="en-US" sz="1100" dirty="0">
+                <a:solidFill>
+                  <a:schemeClr val="bg1">
+                    <a:lumMod val="50000"/>
+                  </a:schemeClr>
+                </a:solidFill>
+              </a:rPr>
+              <a:t>橘色头像：女</a:t>
+            </a:r>
+            <a:endParaRPr lang="en-US" altLang="zh-CN" sz="1100" dirty="0">
+              <a:solidFill>
+                <a:schemeClr val="bg1">
+                  <a:lumMod val="50000"/>
+                </a:schemeClr>
+              </a:solidFill>
+            </a:endParaRPr>
           </a:p>
         </p:txBody>
       </p:sp>
